--- a/VLSI(SA).pptx
+++ b/VLSI(SA).pptx
@@ -11,8 +11,8 @@
   <p:sldIdLst>
     <p:sldId id="256" r:id="rId3"/>
     <p:sldId id="257" r:id="rId4"/>
-    <p:sldId id="259" r:id="rId5"/>
-    <p:sldId id="260" r:id="rId6"/>
+    <p:sldId id="260" r:id="rId5"/>
+    <p:sldId id="265" r:id="rId6"/>
     <p:sldId id="262" r:id="rId7"/>
     <p:sldId id="263" r:id="rId8"/>
   </p:sldIdLst>
@@ -4418,7 +4418,11 @@
             </a:pPr>
             <a:r>
               <a:rPr lang="en-US" altLang="ko-KR" b="1" dirty="0" smtClean="0"/>
-              <a:t>Initial Path Algorithm</a:t>
+              <a:t>Path </a:t>
+            </a:r>
+            <a:r>
+              <a:rPr lang="en-US" altLang="ko-KR" b="1" dirty="0" smtClean="0"/>
+              <a:t>Algorithm</a:t>
             </a:r>
           </a:p>
           <a:p>
@@ -4432,12 +4436,20 @@
               <a:buAutoNum type="arabicPeriod"/>
             </a:pPr>
             <a:r>
-              <a:rPr lang="en-US" b="1" dirty="0" smtClean="0">
+              <a:rPr lang="en-US" altLang="ko-KR" b="1" dirty="0" smtClean="0">
                 <a:latin typeface="Arial" pitchFamily="34" charset="0"/>
                 <a:cs typeface="Arial" pitchFamily="34" charset="0"/>
               </a:rPr>
-              <a:t>Next Path Algorithm</a:t>
-            </a:r>
+              <a:t>3-</a:t>
+            </a:r>
+            <a:r>
+              <a:rPr lang="en-US" altLang="ko-KR" b="1" dirty="0" smtClean="0"/>
+              <a:t>opt Search</a:t>
+            </a:r>
+            <a:endParaRPr lang="en-US" b="1" dirty="0" smtClean="0">
+              <a:latin typeface="Arial" pitchFamily="34" charset="0"/>
+              <a:cs typeface="Arial" pitchFamily="34" charset="0"/>
+            </a:endParaRPr>
           </a:p>
           <a:p>
             <a:pPr marL="457200" indent="-457200">
@@ -4530,7 +4542,11 @@
           <a:p>
             <a:r>
               <a:rPr lang="en-US" altLang="ko-KR" dirty="0" smtClean="0"/>
-              <a:t>Initial Path Algorithm</a:t>
+              <a:t>Path </a:t>
+            </a:r>
+            <a:r>
+              <a:rPr lang="en-US" altLang="ko-KR" dirty="0" smtClean="0"/>
+              <a:t>Algorithm</a:t>
             </a:r>
             <a:endParaRPr lang="ko-KR" altLang="en-US" dirty="0"/>
           </a:p>
@@ -4554,7 +4570,7 @@
             <a:pPr lvl="0"/>
             <a:r>
               <a:rPr lang="ko-KR" altLang="en-US" b="1" dirty="0" smtClean="0"/>
-              <a:t>길이 기반 노드 탐색</a:t>
+              <a:t>분할 경로 탐색</a:t>
             </a:r>
             <a:endParaRPr lang="en-US" b="1" dirty="0"/>
           </a:p>
@@ -4581,10 +4597,27 @@
               </a:lnSpc>
             </a:pPr>
             <a:r>
-              <a:rPr lang="ko-KR" altLang="en-US" dirty="0" smtClean="0"/>
-              <a:t>가장 긴 거리를 가진 두 점을 선택</a:t>
-            </a:r>
-            <a:endParaRPr lang="en-US" altLang="ko-KR" dirty="0" smtClean="0"/>
+              <a:rPr lang="ko-KR" altLang="en-US" dirty="0" smtClean="0">
+                <a:latin typeface="Arial" pitchFamily="34" charset="0"/>
+                <a:cs typeface="Arial" pitchFamily="34" charset="0"/>
+              </a:rPr>
+              <a:t>전체 </a:t>
+            </a:r>
+            <a:r>
+              <a:rPr lang="en-US" altLang="ko-KR" dirty="0" smtClean="0">
+                <a:latin typeface="Arial" pitchFamily="34" charset="0"/>
+                <a:cs typeface="Arial" pitchFamily="34" charset="0"/>
+              </a:rPr>
+              <a:t>Map</a:t>
+            </a:r>
+            <a:r>
+              <a:rPr lang="ko-KR" altLang="en-US" dirty="0" smtClean="0">
+                <a:latin typeface="Arial" pitchFamily="34" charset="0"/>
+                <a:cs typeface="Arial" pitchFamily="34" charset="0"/>
+              </a:rPr>
+              <a:t>을 몇 개의 부분으로 분할</a:t>
+            </a:r>
+            <a:endParaRPr lang="en-US" altLang="ko-KR" dirty="0"/>
           </a:p>
           <a:p>
             <a:pPr>
@@ -4593,18 +4626,30 @@
               </a:lnSpc>
             </a:pPr>
             <a:r>
-              <a:rPr lang="ko-KR" altLang="en-US" dirty="0" smtClean="0"/>
-              <a:t>한 점 쪽에서 일정 바운더리 안에 있는 점들을 </a:t>
-            </a:r>
-            <a:r>
-              <a:rPr lang="en-US" altLang="ko-KR" dirty="0" smtClean="0"/>
-              <a:t>greedy</a:t>
-            </a:r>
-            <a:r>
-              <a:rPr lang="ko-KR" altLang="en-US" dirty="0" smtClean="0"/>
-              <a:t>하게 탐색 </a:t>
-            </a:r>
-            <a:endParaRPr lang="en-US" altLang="ko-KR" dirty="0" smtClean="0"/>
+              <a:rPr lang="ko-KR" altLang="en-US" dirty="0" smtClean="0">
+                <a:latin typeface="Arial" pitchFamily="34" charset="0"/>
+                <a:cs typeface="Arial" pitchFamily="34" charset="0"/>
+              </a:rPr>
+              <a:t>각각의 부분에서 </a:t>
+            </a:r>
+            <a:r>
+              <a:rPr lang="en-US" altLang="ko-KR" dirty="0" smtClean="0">
+                <a:latin typeface="Arial" pitchFamily="34" charset="0"/>
+                <a:cs typeface="Arial" pitchFamily="34" charset="0"/>
+              </a:rPr>
+              <a:t>SA</a:t>
+            </a:r>
+            <a:r>
+              <a:rPr lang="ko-KR" altLang="en-US" dirty="0" smtClean="0">
+                <a:latin typeface="Arial" pitchFamily="34" charset="0"/>
+                <a:cs typeface="Arial" pitchFamily="34" charset="0"/>
+              </a:rPr>
+              <a:t> 알고리즘으로 최적 경로 탐색</a:t>
+            </a:r>
+            <a:endParaRPr lang="en-US" altLang="ko-KR" dirty="0" smtClean="0">
+              <a:latin typeface="Arial" pitchFamily="34" charset="0"/>
+              <a:cs typeface="Arial" pitchFamily="34" charset="0"/>
+            </a:endParaRPr>
           </a:p>
           <a:p>
             <a:pPr>
@@ -4614,7 +4659,23 @@
             </a:pPr>
             <a:r>
               <a:rPr lang="ko-KR" altLang="en-US" dirty="0" smtClean="0"/>
-              <a:t>두번째로 긴 거리를 가진 점으로 이동</a:t>
+              <a:t>큰 부분들을 </a:t>
+            </a:r>
+            <a:r>
+              <a:rPr lang="en-US" altLang="ko-KR" dirty="0" smtClean="0"/>
+              <a:t>greedy</a:t>
+            </a:r>
+            <a:r>
+              <a:rPr lang="ko-KR" altLang="en-US" dirty="0" smtClean="0"/>
+              <a:t>한 방법으로 이어줌</a:t>
+            </a:r>
+            <a:r>
+              <a:rPr lang="en-US" altLang="ko-KR" dirty="0" smtClean="0"/>
+              <a:t>.</a:t>
+            </a:r>
+            <a:r>
+              <a:rPr lang="ko-KR" altLang="en-US" dirty="0" smtClean="0"/>
+              <a:t> </a:t>
             </a:r>
             <a:endParaRPr lang="en-US" altLang="ko-KR" dirty="0" smtClean="0"/>
           </a:p>
@@ -4624,14 +4685,7 @@
                 <a:spcPct val="150000"/>
               </a:lnSpc>
             </a:pPr>
-            <a:r>
-              <a:rPr lang="mr-IN" altLang="ko-KR" dirty="0" smtClean="0">
-                <a:latin typeface="Arial" pitchFamily="34" charset="0"/>
-                <a:cs typeface="Arial" pitchFamily="34" charset="0"/>
-              </a:rPr>
-              <a:t>…</a:t>
-            </a:r>
-            <a:endParaRPr lang="en-US" altLang="ko-KR" dirty="0" smtClean="0">
+            <a:endParaRPr lang="en-US" altLang="ko-KR" dirty="0">
               <a:latin typeface="Arial" pitchFamily="34" charset="0"/>
               <a:cs typeface="Arial" pitchFamily="34" charset="0"/>
             </a:endParaRPr>
@@ -4642,27 +4696,65 @@
                 <a:spcPct val="150000"/>
               </a:lnSpc>
             </a:pPr>
-            <a:endParaRPr lang="en-US" altLang="ko-KR" dirty="0"/>
-          </a:p>
-          <a:p>
-            <a:pPr>
-              <a:lnSpc>
-                <a:spcPct val="150000"/>
-              </a:lnSpc>
-            </a:pPr>
-            <a:r>
-              <a:rPr lang="en-US" altLang="ko-KR" dirty="0" smtClean="0">
-                <a:latin typeface="Arial" pitchFamily="34" charset="0"/>
-                <a:cs typeface="Arial" pitchFamily="34" charset="0"/>
-              </a:rPr>
-              <a:t>2-opt</a:t>
-            </a:r>
-            <a:r>
-              <a:rPr lang="ko-KR" altLang="en-US" dirty="0" smtClean="0">
-                <a:latin typeface="Arial" pitchFamily="34" charset="0"/>
-                <a:cs typeface="Arial" pitchFamily="34" charset="0"/>
-              </a:rPr>
-              <a:t>와 같이 </a:t>
+            <a:r>
+              <a:rPr lang="en-US" altLang="ko-KR" dirty="0" smtClean="0"/>
+              <a:t>SA</a:t>
+            </a:r>
+            <a:r>
+              <a:rPr lang="ko-KR" altLang="en-US" dirty="0" smtClean="0"/>
+              <a:t> 알고리즘을 실행할 때</a:t>
+            </a:r>
+            <a:r>
+              <a:rPr lang="en-US" altLang="ko-KR" dirty="0" smtClean="0"/>
+              <a:t>,</a:t>
+            </a:r>
+            <a:r>
+              <a:rPr lang="ko-KR" altLang="en-US" dirty="0" smtClean="0"/>
+              <a:t> </a:t>
+            </a:r>
+            <a:r>
+              <a:rPr lang="ko-KR" altLang="en-US" dirty="0"/>
+              <a:t>점의 개수가 적을수록 </a:t>
+            </a:r>
+            <a:r>
+              <a:rPr lang="en-US" altLang="ko-KR" dirty="0" smtClean="0"/>
+              <a:t>optimal</a:t>
+            </a:r>
+            <a:r>
+              <a:rPr lang="ko-KR" altLang="en-US" dirty="0" smtClean="0"/>
+              <a:t> 값과 많은 차이가 벌어지지 않는다</a:t>
+            </a:r>
+            <a:r>
+              <a:rPr lang="en-US" altLang="ko-KR" dirty="0" smtClean="0"/>
+              <a:t>.</a:t>
+            </a:r>
+            <a:r>
+              <a:rPr lang="ko-KR" altLang="en-US" dirty="0" smtClean="0"/>
+              <a:t> 전체를 </a:t>
+            </a:r>
+            <a:r>
+              <a:rPr lang="en-US" altLang="ko-KR" dirty="0" smtClean="0"/>
+              <a:t>SA</a:t>
+            </a:r>
+            <a:r>
+              <a:rPr lang="ko-KR" altLang="en-US" dirty="0" smtClean="0"/>
+              <a:t>로 실행했을 때와 비교하면 이 방법의 결과가 전체 </a:t>
+            </a:r>
+            <a:r>
+              <a:rPr lang="en-US" altLang="ko-KR" dirty="0" smtClean="0"/>
+              <a:t>optimal </a:t>
+            </a:r>
+            <a:r>
+              <a:rPr lang="ko-KR" altLang="en-US" dirty="0" smtClean="0"/>
+              <a:t>값과의 오차가 더 적어진다</a:t>
+            </a:r>
+            <a:r>
+              <a:rPr lang="en-US" altLang="ko-KR" dirty="0" smtClean="0"/>
+              <a:t>.</a:t>
+            </a:r>
+            <a:r>
+              <a:rPr lang="ko-KR" altLang="en-US" dirty="0" smtClean="0"/>
+              <a:t> 조각난 부분들을 </a:t>
             </a:r>
             <a:r>
               <a:rPr lang="en-US" altLang="ko-KR" dirty="0" smtClean="0"/>
@@ -4670,23 +4762,7 @@
             </a:r>
             <a:r>
               <a:rPr lang="ko-KR" altLang="en-US" dirty="0" smtClean="0"/>
-              <a:t>한 방법으로</a:t>
-            </a:r>
-            <a:r>
-              <a:rPr lang="en-US" altLang="ko-KR" dirty="0" smtClean="0"/>
-              <a:t>,</a:t>
-            </a:r>
-            <a:r>
-              <a:rPr lang="ko-KR" altLang="en-US" dirty="0" smtClean="0"/>
-              <a:t> 초기에 완전 랜덤 경로가 아닌</a:t>
-            </a:r>
-            <a:r>
-              <a:rPr lang="en-US" altLang="ko-KR" dirty="0" smtClean="0"/>
-              <a:t>,</a:t>
-            </a:r>
-            <a:r>
-              <a:rPr lang="ko-KR" altLang="en-US" dirty="0" smtClean="0"/>
-              <a:t> 적당히 근거있는 초기값을 만들어 준다</a:t>
+              <a:t>한 방법으로 이어주므로 이 또한 최적이라고 할 수 있다</a:t>
             </a:r>
             <a:r>
               <a:rPr lang="en-US" altLang="ko-KR" dirty="0" smtClean="0"/>
@@ -4702,7 +4778,7 @@
     </p:spTree>
     <p:extLst>
       <p:ext uri="{BB962C8B-B14F-4D97-AF65-F5344CB8AC3E}">
-        <p14:creationId xmlns:p14="http://schemas.microsoft.com/office/powerpoint/2010/main" val="979107610"/>
+        <p14:creationId xmlns:p14="http://schemas.microsoft.com/office/powerpoint/2010/main" val="105219733"/>
       </p:ext>
     </p:extLst>
   </p:cSld>
@@ -4746,7 +4822,7 @@
           <a:p>
             <a:r>
               <a:rPr lang="en-US" altLang="ko-KR" dirty="0" smtClean="0"/>
-              <a:t>Next Path Algorithm</a:t>
+              <a:t>3-opt Search</a:t>
             </a:r>
             <a:endParaRPr lang="ko-KR" altLang="en-US" dirty="0"/>
           </a:p>
@@ -4769,8 +4845,16 @@
           <a:p>
             <a:pPr lvl="0"/>
             <a:r>
+              <a:rPr lang="en-US" b="1" dirty="0" smtClean="0"/>
+              <a:t>2-opt Search </a:t>
+            </a:r>
+            <a:r>
               <a:rPr lang="ko-KR" altLang="en-US" b="1" dirty="0" smtClean="0"/>
-              <a:t>분할 경로 탐색</a:t>
+              <a:t>대신 </a:t>
+            </a:r>
+            <a:r>
+              <a:rPr lang="en-US" altLang="ko-KR" b="1" dirty="0" smtClean="0"/>
+              <a:t>3-opt Search</a:t>
             </a:r>
             <a:endParaRPr lang="en-US" b="1" dirty="0"/>
           </a:p>
@@ -4797,27 +4881,51 @@
               </a:lnSpc>
             </a:pPr>
             <a:r>
+              <a:rPr lang="en-US" altLang="ko-KR" dirty="0" smtClean="0">
+                <a:latin typeface="Arial" pitchFamily="34" charset="0"/>
+                <a:cs typeface="Arial" pitchFamily="34" charset="0"/>
+              </a:rPr>
+              <a:t>3-opt Search</a:t>
+            </a:r>
+            <a:r>
               <a:rPr lang="ko-KR" altLang="en-US" dirty="0" smtClean="0">
                 <a:latin typeface="Arial" pitchFamily="34" charset="0"/>
                 <a:cs typeface="Arial" pitchFamily="34" charset="0"/>
               </a:rPr>
-              <a:t>전체 </a:t>
+              <a:t>를 선택한 이유는 </a:t>
             </a:r>
             <a:r>
               <a:rPr lang="en-US" altLang="ko-KR" dirty="0" smtClean="0">
                 <a:latin typeface="Arial" pitchFamily="34" charset="0"/>
                 <a:cs typeface="Arial" pitchFamily="34" charset="0"/>
               </a:rPr>
-              <a:t>Map</a:t>
+              <a:t>2-opt</a:t>
             </a:r>
             <a:r>
               <a:rPr lang="ko-KR" altLang="en-US" dirty="0" smtClean="0">
                 <a:latin typeface="Arial" pitchFamily="34" charset="0"/>
                 <a:cs typeface="Arial" pitchFamily="34" charset="0"/>
               </a:rPr>
-              <a:t>을 몇 개의 부분으로 분할</a:t>
-            </a:r>
-            <a:endParaRPr lang="en-US" altLang="ko-KR" dirty="0"/>
+              <a:t>보다 더 많은 경우의 수를 계산하고</a:t>
+            </a:r>
+            <a:r>
+              <a:rPr lang="en-US" altLang="ko-KR" dirty="0" smtClean="0">
+                <a:latin typeface="Arial" pitchFamily="34" charset="0"/>
+                <a:cs typeface="Arial" pitchFamily="34" charset="0"/>
+              </a:rPr>
+              <a:t>,</a:t>
+            </a:r>
+            <a:r>
+              <a:rPr lang="ko-KR" altLang="en-US" dirty="0" smtClean="0">
+                <a:latin typeface="Arial" pitchFamily="34" charset="0"/>
+                <a:cs typeface="Arial" pitchFamily="34" charset="0"/>
+              </a:rPr>
+              <a:t>  </a:t>
+            </a:r>
+            <a:endParaRPr lang="en-US" altLang="ko-KR" dirty="0" smtClean="0">
+              <a:latin typeface="Arial" pitchFamily="34" charset="0"/>
+              <a:cs typeface="Arial" pitchFamily="34" charset="0"/>
+            </a:endParaRPr>
           </a:p>
           <a:p>
             <a:pPr>
@@ -4830,52 +4938,18 @@
                 <a:latin typeface="Arial" pitchFamily="34" charset="0"/>
                 <a:cs typeface="Arial" pitchFamily="34" charset="0"/>
               </a:rPr>
-              <a:t>각각의 부분에서 </a:t>
+              <a:t>그 경우의 수 안에 </a:t>
             </a:r>
             <a:r>
               <a:rPr lang="en-US" altLang="ko-KR" dirty="0" smtClean="0">
                 <a:latin typeface="Arial" pitchFamily="34" charset="0"/>
                 <a:cs typeface="Arial" pitchFamily="34" charset="0"/>
               </a:rPr>
-              <a:t>SA</a:t>
-            </a:r>
-            <a:r>
-              <a:rPr lang="ko-KR" altLang="en-US" dirty="0" smtClean="0">
-                <a:latin typeface="Arial" pitchFamily="34" charset="0"/>
-                <a:cs typeface="Arial" pitchFamily="34" charset="0"/>
-              </a:rPr>
-              <a:t> 알고리즘으로 최적 경로 탐색</a:t>
-            </a:r>
-            <a:endParaRPr lang="en-US" altLang="ko-KR" dirty="0" smtClean="0">
-              <a:latin typeface="Arial" pitchFamily="34" charset="0"/>
-              <a:cs typeface="Arial" pitchFamily="34" charset="0"/>
-            </a:endParaRPr>
-          </a:p>
-          <a:p>
-            <a:pPr>
-              <a:lnSpc>
-                <a:spcPct val="150000"/>
-              </a:lnSpc>
-            </a:pPr>
+              <a:t>2-opt</a:t>
+            </a:r>
             <a:r>
               <a:rPr lang="ko-KR" altLang="en-US" dirty="0" smtClean="0"/>
-              <a:t>큰 부분들을 </a:t>
-            </a:r>
-            <a:r>
-              <a:rPr lang="en-US" altLang="ko-KR" dirty="0" smtClean="0"/>
-              <a:t>greedy</a:t>
-            </a:r>
-            <a:r>
-              <a:rPr lang="ko-KR" altLang="en-US" dirty="0" smtClean="0"/>
-              <a:t>한 방법으로 이어줌</a:t>
-            </a:r>
-            <a:r>
-              <a:rPr lang="en-US" altLang="ko-KR" dirty="0" smtClean="0"/>
-              <a:t>.</a:t>
-            </a:r>
-            <a:r>
-              <a:rPr lang="ko-KR" altLang="en-US" dirty="0" smtClean="0"/>
-              <a:t> </a:t>
+              <a:t>가 들어가 있기 때문에 다양한 경로를 생각해 볼 수 있음</a:t>
             </a:r>
             <a:endParaRPr lang="en-US" altLang="ko-KR" dirty="0" smtClean="0"/>
           </a:p>
@@ -4898,11 +4972,19 @@
             </a:pPr>
             <a:r>
               <a:rPr lang="en-US" altLang="ko-KR" dirty="0" smtClean="0"/>
-              <a:t>SA</a:t>
+              <a:t>3-opt</a:t>
             </a:r>
             <a:r>
               <a:rPr lang="ko-KR" altLang="en-US" dirty="0" smtClean="0"/>
-              <a:t> 알고리즘을 실행할 때</a:t>
+              <a:t>말고 </a:t>
+            </a:r>
+            <a:r>
+              <a:rPr lang="en-US" altLang="ko-KR" dirty="0" smtClean="0"/>
+              <a:t>k-opt</a:t>
+            </a:r>
+            <a:r>
+              <a:rPr lang="ko-KR" altLang="en-US" dirty="0" smtClean="0"/>
+              <a:t>도 생각해 보았으나</a:t>
             </a:r>
             <a:r>
               <a:rPr lang="en-US" altLang="ko-KR" dirty="0" smtClean="0"/>
@@ -4910,75 +4992,35 @@
             </a:r>
             <a:r>
               <a:rPr lang="ko-KR" altLang="en-US" dirty="0" smtClean="0"/>
-              <a:t> </a:t>
-            </a:r>
-            <a:r>
-              <a:rPr lang="ko-KR" altLang="en-US" dirty="0"/>
-              <a:t>점의 개수가 적을수록 </a:t>
+              <a:t> 최적의 </a:t>
             </a:r>
             <a:r>
               <a:rPr lang="en-US" altLang="ko-KR" dirty="0" smtClean="0"/>
-              <a:t>optimal</a:t>
+              <a:t>k</a:t>
             </a:r>
             <a:r>
               <a:rPr lang="ko-KR" altLang="en-US" dirty="0" smtClean="0"/>
-              <a:t> 값과 많은 차이가 벌어지지 않는다</a:t>
+              <a:t>를 잡는 것에서 시간이 더 걸린다는 논문을 확인하고 </a:t>
+            </a:r>
+            <a:r>
+              <a:rPr lang="en-US" altLang="ko-KR" dirty="0" smtClean="0"/>
+              <a:t>3-opt Search</a:t>
+            </a:r>
+            <a:r>
+              <a:rPr lang="ko-KR" altLang="en-US" dirty="0" smtClean="0"/>
+              <a:t>로 결정을 굳히게 되었다</a:t>
             </a:r>
             <a:r>
               <a:rPr lang="en-US" altLang="ko-KR" dirty="0" smtClean="0"/>
               <a:t>.</a:t>
             </a:r>
-            <a:r>
-              <a:rPr lang="ko-KR" altLang="en-US" dirty="0" smtClean="0"/>
-              <a:t> 전체를 </a:t>
-            </a:r>
-            <a:r>
-              <a:rPr lang="en-US" altLang="ko-KR" dirty="0" smtClean="0"/>
-              <a:t>SA</a:t>
-            </a:r>
-            <a:r>
-              <a:rPr lang="ko-KR" altLang="en-US" dirty="0" smtClean="0"/>
-              <a:t>로 실행했을 때와 비교하면 이 방법의 결과가 전체 </a:t>
-            </a:r>
-            <a:r>
-              <a:rPr lang="en-US" altLang="ko-KR" dirty="0" smtClean="0"/>
-              <a:t>optimal </a:t>
-            </a:r>
-            <a:r>
-              <a:rPr lang="ko-KR" altLang="en-US" dirty="0" smtClean="0"/>
-              <a:t>값과의 오차가 더 적어진다</a:t>
-            </a:r>
-            <a:r>
-              <a:rPr lang="en-US" altLang="ko-KR" dirty="0" smtClean="0"/>
-              <a:t>.</a:t>
-            </a:r>
-            <a:r>
-              <a:rPr lang="ko-KR" altLang="en-US" dirty="0" smtClean="0"/>
-              <a:t> 조각난 부분들을 </a:t>
-            </a:r>
-            <a:r>
-              <a:rPr lang="en-US" altLang="ko-KR" dirty="0" smtClean="0"/>
-              <a:t>greedy</a:t>
-            </a:r>
-            <a:r>
-              <a:rPr lang="ko-KR" altLang="en-US" dirty="0" smtClean="0"/>
-              <a:t>한 방법으로 이어주므로 이 또한 최적이라고 할 수 있다</a:t>
-            </a:r>
-            <a:r>
-              <a:rPr lang="en-US" altLang="ko-KR" dirty="0" smtClean="0"/>
-              <a:t>.</a:t>
-            </a:r>
-            <a:endParaRPr lang="ko-KR" altLang="en-US" dirty="0">
-              <a:latin typeface="Arial" pitchFamily="34" charset="0"/>
-              <a:cs typeface="Arial" pitchFamily="34" charset="0"/>
-            </a:endParaRPr>
           </a:p>
         </p:txBody>
       </p:sp>
     </p:spTree>
     <p:extLst>
       <p:ext uri="{BB962C8B-B14F-4D97-AF65-F5344CB8AC3E}">
-        <p14:creationId xmlns:p14="http://schemas.microsoft.com/office/powerpoint/2010/main" val="105219733"/>
+        <p14:creationId xmlns:p14="http://schemas.microsoft.com/office/powerpoint/2010/main" val="1570634947"/>
       </p:ext>
     </p:extLst>
   </p:cSld>
@@ -6430,17 +6472,6 @@
               </a:rPr>
               <a:t>The End</a:t>
             </a:r>
-            <a:endParaRPr lang="en-US" altLang="ko-KR" sz="2800" b="1" dirty="0" smtClean="0">
-              <a:solidFill>
-                <a:schemeClr val="tx1">
-                  <a:lumMod val="75000"/>
-                  <a:lumOff val="25000"/>
-                </a:schemeClr>
-              </a:solidFill>
-              <a:latin typeface="Arial" pitchFamily="34" charset="0"/>
-              <a:ea typeface="맑은 고딕" pitchFamily="50" charset="-127"/>
-              <a:cs typeface="Arial" pitchFamily="34" charset="0"/>
-            </a:endParaRPr>
           </a:p>
         </p:txBody>
       </p:sp>
